--- a/21_Intro... Machine Learning/Introduction_to_ML.pptx
+++ b/21_Intro... Machine Learning/Introduction_to_ML.pptx
@@ -8502,6 +8502,13 @@
     <dgm:pt modelId="{658DA3EE-7851-4FB1-A3D5-1F5614F00759}" type="pres">
       <dgm:prSet presAssocID="{DF04C69E-0408-48FD-82F3-EBE8F9BEAFB6}" presName="wedge1" presStyleLbl="node1" presStyleIdx="0" presStyleCnt="3"/>
       <dgm:spPr/>
+      <dgm:t>
+        <a:bodyPr/>
+        <a:lstStyle/>
+        <a:p>
+          <a:endParaRPr lang="en-US"/>
+        </a:p>
+      </dgm:t>
     </dgm:pt>
     <dgm:pt modelId="{2EFB033E-BD5A-4CAF-B474-2BBD0CC955A6}" type="pres">
       <dgm:prSet presAssocID="{DF04C69E-0408-48FD-82F3-EBE8F9BEAFB6}" presName="wedge1Tx" presStyleLbl="node1" presStyleIdx="0" presStyleCnt="3">
@@ -8512,10 +8519,24 @@
         </dgm:presLayoutVars>
       </dgm:prSet>
       <dgm:spPr/>
+      <dgm:t>
+        <a:bodyPr/>
+        <a:lstStyle/>
+        <a:p>
+          <a:endParaRPr lang="en-US"/>
+        </a:p>
+      </dgm:t>
     </dgm:pt>
     <dgm:pt modelId="{444DBB49-F0BD-450B-9CC5-DDE5BE6E2984}" type="pres">
       <dgm:prSet presAssocID="{DF04C69E-0408-48FD-82F3-EBE8F9BEAFB6}" presName="wedge2" presStyleLbl="node1" presStyleIdx="1" presStyleCnt="3"/>
       <dgm:spPr/>
+      <dgm:t>
+        <a:bodyPr/>
+        <a:lstStyle/>
+        <a:p>
+          <a:endParaRPr lang="en-US"/>
+        </a:p>
+      </dgm:t>
     </dgm:pt>
     <dgm:pt modelId="{5B59B89F-360B-4294-AAC3-8FA39AB55205}" type="pres">
       <dgm:prSet presAssocID="{DF04C69E-0408-48FD-82F3-EBE8F9BEAFB6}" presName="wedge2Tx" presStyleLbl="node1" presStyleIdx="1" presStyleCnt="3">
@@ -8526,10 +8547,24 @@
         </dgm:presLayoutVars>
       </dgm:prSet>
       <dgm:spPr/>
+      <dgm:t>
+        <a:bodyPr/>
+        <a:lstStyle/>
+        <a:p>
+          <a:endParaRPr lang="en-US"/>
+        </a:p>
+      </dgm:t>
     </dgm:pt>
     <dgm:pt modelId="{4B5328BE-7BB8-4585-9BEC-54128F8EFAE8}" type="pres">
       <dgm:prSet presAssocID="{DF04C69E-0408-48FD-82F3-EBE8F9BEAFB6}" presName="wedge3" presStyleLbl="node1" presStyleIdx="2" presStyleCnt="3"/>
       <dgm:spPr/>
+      <dgm:t>
+        <a:bodyPr/>
+        <a:lstStyle/>
+        <a:p>
+          <a:endParaRPr lang="en-US"/>
+        </a:p>
+      </dgm:t>
     </dgm:pt>
     <dgm:pt modelId="{4957B037-ECDD-4C3E-83A4-8A2B6D5238C0}" type="pres">
       <dgm:prSet presAssocID="{DF04C69E-0408-48FD-82F3-EBE8F9BEAFB6}" presName="wedge3Tx" presStyleLbl="node1" presStyleIdx="2" presStyleCnt="3">
@@ -8540,6 +8575,13 @@
         </dgm:presLayoutVars>
       </dgm:prSet>
       <dgm:spPr/>
+      <dgm:t>
+        <a:bodyPr/>
+        <a:lstStyle/>
+        <a:p>
+          <a:endParaRPr lang="en-US"/>
+        </a:p>
+      </dgm:t>
     </dgm:pt>
   </dgm:ptLst>
   <dgm:cxnLst>
@@ -8551,8 +8593,8 @@
     <dgm:cxn modelId="{43F5872C-7B79-482D-8F71-20F3629D6CF0}" type="presOf" srcId="{46C7C298-5D2A-4609-B31B-4C294C3B47F0}" destId="{658DA3EE-7851-4FB1-A3D5-1F5614F00759}" srcOrd="0" destOrd="0" presId="urn:microsoft.com/office/officeart/2005/8/layout/chart3"/>
     <dgm:cxn modelId="{3EEC4BB9-8A7E-4F95-ABF4-383240F8FC61}" srcId="{DF04C69E-0408-48FD-82F3-EBE8F9BEAFB6}" destId="{46C7C298-5D2A-4609-B31B-4C294C3B47F0}" srcOrd="0" destOrd="0" parTransId="{629CD055-62E7-4103-8F79-A2057DF98E21}" sibTransId="{989DAA34-C2C4-442A-9F7E-FAA578B068E2}"/>
     <dgm:cxn modelId="{25AC6CF7-D0D3-43BD-81E8-2B8B71F3871B}" type="presOf" srcId="{46C7C298-5D2A-4609-B31B-4C294C3B47F0}" destId="{2EFB033E-BD5A-4CAF-B474-2BBD0CC955A6}" srcOrd="1" destOrd="0" presId="urn:microsoft.com/office/officeart/2005/8/layout/chart3"/>
+    <dgm:cxn modelId="{3ED2F86A-CD2F-405D-ACC2-C7289F9BFA58}" type="presOf" srcId="{577D03DE-5EC7-4E69-8CD3-A663397503AA}" destId="{5B59B89F-360B-4294-AAC3-8FA39AB55205}" srcOrd="1" destOrd="0" presId="urn:microsoft.com/office/officeart/2005/8/layout/chart3"/>
     <dgm:cxn modelId="{7261A571-0FA8-47CB-8571-B89315812DC7}" type="presOf" srcId="{DF04C69E-0408-48FD-82F3-EBE8F9BEAFB6}" destId="{16D3012F-CAAE-4E67-810B-E38658C3F2AA}" srcOrd="0" destOrd="0" presId="urn:microsoft.com/office/officeart/2005/8/layout/chart3"/>
-    <dgm:cxn modelId="{3ED2F86A-CD2F-405D-ACC2-C7289F9BFA58}" type="presOf" srcId="{577D03DE-5EC7-4E69-8CD3-A663397503AA}" destId="{5B59B89F-360B-4294-AAC3-8FA39AB55205}" srcOrd="1" destOrd="0" presId="urn:microsoft.com/office/officeart/2005/8/layout/chart3"/>
     <dgm:cxn modelId="{4FDDDFAE-51AF-456D-BA68-D7413B5F0AEA}" type="presParOf" srcId="{16D3012F-CAAE-4E67-810B-E38658C3F2AA}" destId="{658DA3EE-7851-4FB1-A3D5-1F5614F00759}" srcOrd="0" destOrd="0" presId="urn:microsoft.com/office/officeart/2005/8/layout/chart3"/>
     <dgm:cxn modelId="{6DA57676-13F8-48E7-A4C9-2BDB5AB656B4}" type="presParOf" srcId="{16D3012F-CAAE-4E67-810B-E38658C3F2AA}" destId="{2EFB033E-BD5A-4CAF-B474-2BBD0CC955A6}" srcOrd="1" destOrd="0" presId="urn:microsoft.com/office/officeart/2005/8/layout/chart3"/>
     <dgm:cxn modelId="{321D2214-64CE-4A83-B165-1C301056C087}" type="presParOf" srcId="{16D3012F-CAAE-4E67-810B-E38658C3F2AA}" destId="{444DBB49-F0BD-450B-9CC5-DDE5BE6E2984}" srcOrd="2" destOrd="0" presId="urn:microsoft.com/office/officeart/2005/8/layout/chart3"/>
@@ -8890,6 +8932,13 @@
         </dgm:presLayoutVars>
       </dgm:prSet>
       <dgm:spPr/>
+      <dgm:t>
+        <a:bodyPr/>
+        <a:lstStyle/>
+        <a:p>
+          <a:endParaRPr lang="en-US"/>
+        </a:p>
+      </dgm:t>
     </dgm:pt>
     <dgm:pt modelId="{B756311D-A963-4C7D-8E6A-06D2C2DC10A7}" type="pres">
       <dgm:prSet presAssocID="{BE5393A7-12E0-4752-BD57-9E971B4B665A}" presName="boxAndChildren" presStyleCnt="0"/>
@@ -8898,10 +8947,24 @@
     <dgm:pt modelId="{1BCB92C5-4A26-4B33-8BBD-17D37737D0BE}" type="pres">
       <dgm:prSet presAssocID="{BE5393A7-12E0-4752-BD57-9E971B4B665A}" presName="parentTextBox" presStyleLbl="node1" presStyleIdx="0" presStyleCnt="3"/>
       <dgm:spPr/>
+      <dgm:t>
+        <a:bodyPr/>
+        <a:lstStyle/>
+        <a:p>
+          <a:endParaRPr lang="en-US"/>
+        </a:p>
+      </dgm:t>
     </dgm:pt>
     <dgm:pt modelId="{901FE166-A017-4AB8-AD9C-396D0AE6DA0A}" type="pres">
       <dgm:prSet presAssocID="{BE5393A7-12E0-4752-BD57-9E971B4B665A}" presName="entireBox" presStyleLbl="node1" presStyleIdx="0" presStyleCnt="3"/>
       <dgm:spPr/>
+      <dgm:t>
+        <a:bodyPr/>
+        <a:lstStyle/>
+        <a:p>
+          <a:endParaRPr lang="en-US"/>
+        </a:p>
+      </dgm:t>
     </dgm:pt>
     <dgm:pt modelId="{39D75002-5EF7-410F-8A0B-D1C845BCD6D4}" type="pres">
       <dgm:prSet presAssocID="{BE5393A7-12E0-4752-BD57-9E971B4B665A}" presName="descendantBox" presStyleCnt="0"/>
@@ -8929,6 +8992,13 @@
         </dgm:presLayoutVars>
       </dgm:prSet>
       <dgm:spPr/>
+      <dgm:t>
+        <a:bodyPr/>
+        <a:lstStyle/>
+        <a:p>
+          <a:endParaRPr lang="en-US"/>
+        </a:p>
+      </dgm:t>
     </dgm:pt>
     <dgm:pt modelId="{FA040C5C-0EE3-4B52-A8FE-7436F3DF50E4}" type="pres">
       <dgm:prSet presAssocID="{4658F98C-2B79-4CE3-871B-C6E7615B897D}" presName="sp" presStyleCnt="0"/>
@@ -8971,6 +9041,13 @@
         </dgm:presLayoutVars>
       </dgm:prSet>
       <dgm:spPr/>
+      <dgm:t>
+        <a:bodyPr/>
+        <a:lstStyle/>
+        <a:p>
+          <a:endParaRPr lang="en-US"/>
+        </a:p>
+      </dgm:t>
     </dgm:pt>
     <dgm:pt modelId="{E9FD47A5-2BAD-41E2-BD7E-61EED834696F}" type="pres">
       <dgm:prSet presAssocID="{C26E77E8-C044-4D3E-A226-357C8F2E3F4A}" presName="childTextArrow" presStyleLbl="fgAccFollowNode1" presStyleIdx="3" presStyleCnt="5" custScaleX="59436">
@@ -9038,26 +9115,26 @@
     </dgm:pt>
   </dgm:ptLst>
   <dgm:cxnLst>
-    <dgm:cxn modelId="{CF00B9CF-4DBE-49AE-8EC1-1AB9BB69DFAD}" type="presOf" srcId="{A18E2F56-7431-4488-B8FD-9EBFDB1B8A5C}" destId="{615A2E70-18B6-420B-8794-507F0961368B}" srcOrd="0" destOrd="0" presId="urn:microsoft.com/office/officeart/2005/8/layout/process4"/>
+    <dgm:cxn modelId="{3FFE04B8-D107-4FC0-879C-972A68668AE0}" srcId="{BE5393A7-12E0-4752-BD57-9E971B4B665A}" destId="{A18E2F56-7431-4488-B8FD-9EBFDB1B8A5C}" srcOrd="1" destOrd="0" parTransId="{8C2B9C6A-8872-4FA5-B5C3-ECB6071E08BD}" sibTransId="{34A3A79B-5D20-4CFF-ADDB-6C2869F552F6}"/>
+    <dgm:cxn modelId="{6BDD10B5-6F3D-4E80-8D33-C155D77E79F5}" srcId="{BE5393A7-12E0-4752-BD57-9E971B4B665A}" destId="{C4754DFD-951A-4BC9-A773-7BA25576974B}" srcOrd="0" destOrd="0" parTransId="{5DEBD383-AC91-4694-8079-F13450921777}" sibTransId="{F3EFE209-83A9-49F1-9E72-FF37B7F02306}"/>
     <dgm:cxn modelId="{F00BBCC4-ED24-4667-B34B-10813BD333CF}" type="presOf" srcId="{AB90D3EF-8E04-4345-AEF7-EF3D833F17EA}" destId="{0E087DF0-510F-4247-A374-781CA3FF663E}" srcOrd="1" destOrd="0" presId="urn:microsoft.com/office/officeart/2005/8/layout/process4"/>
-    <dgm:cxn modelId="{AD0DF4B2-4594-432D-B7C8-40001C568B0F}" type="presOf" srcId="{7AEEFB92-59F2-4E49-915E-ECCC46891369}" destId="{97F7613B-5135-40BA-92BB-324C0C653845}" srcOrd="1" destOrd="0" presId="urn:microsoft.com/office/officeart/2005/8/layout/process4"/>
-    <dgm:cxn modelId="{3FFE04B8-D107-4FC0-879C-972A68668AE0}" srcId="{BE5393A7-12E0-4752-BD57-9E971B4B665A}" destId="{A18E2F56-7431-4488-B8FD-9EBFDB1B8A5C}" srcOrd="1" destOrd="0" parTransId="{8C2B9C6A-8872-4FA5-B5C3-ECB6071E08BD}" sibTransId="{34A3A79B-5D20-4CFF-ADDB-6C2869F552F6}"/>
+    <dgm:cxn modelId="{C647DB9C-22FE-4A2D-BD47-3675B7AF78E8}" type="presOf" srcId="{C26E77E8-C044-4D3E-A226-357C8F2E3F4A}" destId="{E9FD47A5-2BAD-41E2-BD7E-61EED834696F}" srcOrd="0" destOrd="0" presId="urn:microsoft.com/office/officeart/2005/8/layout/process4"/>
+    <dgm:cxn modelId="{DB1C4DD5-19B8-464C-9E84-3D801008A2E1}" type="presOf" srcId="{BE5393A7-12E0-4752-BD57-9E971B4B665A}" destId="{1BCB92C5-4A26-4B33-8BBD-17D37737D0BE}" srcOrd="0" destOrd="0" presId="urn:microsoft.com/office/officeart/2005/8/layout/process4"/>
+    <dgm:cxn modelId="{489AA224-7DAD-47CC-BEF3-721CEC731425}" srcId="{AB90D3EF-8E04-4345-AEF7-EF3D833F17EA}" destId="{E8C16313-19FE-4F44-BE83-904C838EB1D9}" srcOrd="0" destOrd="0" parTransId="{F5E0CCB5-2DC5-4F50-93F5-7BBA55E15C08}" sibTransId="{3FFDC2AA-1497-4195-BB4F-890DB397A5AB}"/>
+    <dgm:cxn modelId="{FE47F02E-105C-44F1-9D98-640BED257292}" type="presOf" srcId="{BE5393A7-12E0-4752-BD57-9E971B4B665A}" destId="{901FE166-A017-4AB8-AD9C-396D0AE6DA0A}" srcOrd="1" destOrd="0" presId="urn:microsoft.com/office/officeart/2005/8/layout/process4"/>
+    <dgm:cxn modelId="{0C28C2FD-413B-4813-9A2E-4044E0ED16A7}" type="presOf" srcId="{E8C16313-19FE-4F44-BE83-904C838EB1D9}" destId="{38FAF438-3500-4879-9575-FB9102E7392D}" srcOrd="0" destOrd="0" presId="urn:microsoft.com/office/officeart/2005/8/layout/process4"/>
+    <dgm:cxn modelId="{56EAC6CF-CB1A-477D-B52A-156A4FBC07C8}" srcId="{7AEEFB92-59F2-4E49-915E-ECCC46891369}" destId="{C26E77E8-C044-4D3E-A226-357C8F2E3F4A}" srcOrd="1" destOrd="0" parTransId="{0985651C-C614-4314-893E-39033450E992}" sibTransId="{4E1DCA0B-7C3D-4DD7-A578-D880509CC26F}"/>
+    <dgm:cxn modelId="{C7651327-FC23-42DE-B3D1-C33446A7854B}" type="presOf" srcId="{7AEEFB92-59F2-4E49-915E-ECCC46891369}" destId="{FA679F5F-5FFA-42D8-8FB2-0D63C3888655}" srcOrd="0" destOrd="0" presId="urn:microsoft.com/office/officeart/2005/8/layout/process4"/>
     <dgm:cxn modelId="{1EE99B47-B3D6-4A95-923F-CEDF827515F5}" type="presOf" srcId="{AB90D3EF-8E04-4345-AEF7-EF3D833F17EA}" destId="{0D584738-3695-4AC7-9368-62890C402E75}" srcOrd="0" destOrd="0" presId="urn:microsoft.com/office/officeart/2005/8/layout/process4"/>
     <dgm:cxn modelId="{3D8AF670-B371-4413-8861-6FB80BECB844}" srcId="{FFF9106E-0B29-40F4-A361-502C5E2EE4C7}" destId="{7AEEFB92-59F2-4E49-915E-ECCC46891369}" srcOrd="1" destOrd="0" parTransId="{791AAD22-05EE-4DE2-8BD4-A3A028F9E8EB}" sibTransId="{4658F98C-2B79-4CE3-871B-C6E7615B897D}"/>
+    <dgm:cxn modelId="{CF00B9CF-4DBE-49AE-8EC1-1AB9BB69DFAD}" type="presOf" srcId="{A18E2F56-7431-4488-B8FD-9EBFDB1B8A5C}" destId="{615A2E70-18B6-420B-8794-507F0961368B}" srcOrd="0" destOrd="0" presId="urn:microsoft.com/office/officeart/2005/8/layout/process4"/>
+    <dgm:cxn modelId="{AD0DF4B2-4594-432D-B7C8-40001C568B0F}" type="presOf" srcId="{7AEEFB92-59F2-4E49-915E-ECCC46891369}" destId="{97F7613B-5135-40BA-92BB-324C0C653845}" srcOrd="1" destOrd="0" presId="urn:microsoft.com/office/officeart/2005/8/layout/process4"/>
     <dgm:cxn modelId="{4A42CF2E-5BCD-442F-98BD-878EC54CB31D}" type="presOf" srcId="{FFF9106E-0B29-40F4-A361-502C5E2EE4C7}" destId="{0D1A281D-EB57-4801-8689-5FA2C59F31B8}" srcOrd="0" destOrd="0" presId="urn:microsoft.com/office/officeart/2005/8/layout/process4"/>
+    <dgm:cxn modelId="{D3EF5F8C-82DA-452C-820C-E874DFD620C5}" srcId="{7AEEFB92-59F2-4E49-915E-ECCC46891369}" destId="{C422E3CB-8895-4D89-B945-EA989D7DEFD8}" srcOrd="0" destOrd="0" parTransId="{BE79DDB8-7134-46FF-AFC1-98863DF68BFE}" sibTransId="{19837639-2BFF-4BBE-B300-3DF9B5B7C5DF}"/>
     <dgm:cxn modelId="{7600AA4A-DF7B-446A-BBCE-90E6358F0EA9}" srcId="{FFF9106E-0B29-40F4-A361-502C5E2EE4C7}" destId="{AB90D3EF-8E04-4345-AEF7-EF3D833F17EA}" srcOrd="0" destOrd="0" parTransId="{D63D7D9F-67E9-45E1-8F55-F5C67C472527}" sibTransId="{157D92D7-5618-4D1D-8D44-801D9B9F7FEF}"/>
-    <dgm:cxn modelId="{FE47F02E-105C-44F1-9D98-640BED257292}" type="presOf" srcId="{BE5393A7-12E0-4752-BD57-9E971B4B665A}" destId="{901FE166-A017-4AB8-AD9C-396D0AE6DA0A}" srcOrd="1" destOrd="0" presId="urn:microsoft.com/office/officeart/2005/8/layout/process4"/>
     <dgm:cxn modelId="{95403357-7AA8-4293-8162-12EF878DAE62}" type="presOf" srcId="{C422E3CB-8895-4D89-B945-EA989D7DEFD8}" destId="{9E073581-B45A-42C5-95B1-7DA5A130A3C4}" srcOrd="0" destOrd="0" presId="urn:microsoft.com/office/officeart/2005/8/layout/process4"/>
-    <dgm:cxn modelId="{0C28C2FD-413B-4813-9A2E-4044E0ED16A7}" type="presOf" srcId="{E8C16313-19FE-4F44-BE83-904C838EB1D9}" destId="{38FAF438-3500-4879-9575-FB9102E7392D}" srcOrd="0" destOrd="0" presId="urn:microsoft.com/office/officeart/2005/8/layout/process4"/>
-    <dgm:cxn modelId="{C647DB9C-22FE-4A2D-BD47-3675B7AF78E8}" type="presOf" srcId="{C26E77E8-C044-4D3E-A226-357C8F2E3F4A}" destId="{E9FD47A5-2BAD-41E2-BD7E-61EED834696F}" srcOrd="0" destOrd="0" presId="urn:microsoft.com/office/officeart/2005/8/layout/process4"/>
     <dgm:cxn modelId="{D0F53059-389B-48D8-98E9-71074CF807E3}" srcId="{FFF9106E-0B29-40F4-A361-502C5E2EE4C7}" destId="{BE5393A7-12E0-4752-BD57-9E971B4B665A}" srcOrd="2" destOrd="0" parTransId="{B21C43EC-9669-4EE1-931A-2E6A1644201D}" sibTransId="{1E0AC436-7F14-4319-916E-8AF7B96BD6EE}"/>
-    <dgm:cxn modelId="{DB1C4DD5-19B8-464C-9E84-3D801008A2E1}" type="presOf" srcId="{BE5393A7-12E0-4752-BD57-9E971B4B665A}" destId="{1BCB92C5-4A26-4B33-8BBD-17D37737D0BE}" srcOrd="0" destOrd="0" presId="urn:microsoft.com/office/officeart/2005/8/layout/process4"/>
-    <dgm:cxn modelId="{C7651327-FC23-42DE-B3D1-C33446A7854B}" type="presOf" srcId="{7AEEFB92-59F2-4E49-915E-ECCC46891369}" destId="{FA679F5F-5FFA-42D8-8FB2-0D63C3888655}" srcOrd="0" destOrd="0" presId="urn:microsoft.com/office/officeart/2005/8/layout/process4"/>
-    <dgm:cxn modelId="{489AA224-7DAD-47CC-BEF3-721CEC731425}" srcId="{AB90D3EF-8E04-4345-AEF7-EF3D833F17EA}" destId="{E8C16313-19FE-4F44-BE83-904C838EB1D9}" srcOrd="0" destOrd="0" parTransId="{F5E0CCB5-2DC5-4F50-93F5-7BBA55E15C08}" sibTransId="{3FFDC2AA-1497-4195-BB4F-890DB397A5AB}"/>
     <dgm:cxn modelId="{16904550-35C4-4D79-8F9B-FCB3E4FE9CDB}" type="presOf" srcId="{C4754DFD-951A-4BC9-A773-7BA25576974B}" destId="{62957BCF-A401-4207-A912-4351E9F12E72}" srcOrd="0" destOrd="0" presId="urn:microsoft.com/office/officeart/2005/8/layout/process4"/>
-    <dgm:cxn modelId="{56EAC6CF-CB1A-477D-B52A-156A4FBC07C8}" srcId="{7AEEFB92-59F2-4E49-915E-ECCC46891369}" destId="{C26E77E8-C044-4D3E-A226-357C8F2E3F4A}" srcOrd="1" destOrd="0" parTransId="{0985651C-C614-4314-893E-39033450E992}" sibTransId="{4E1DCA0B-7C3D-4DD7-A578-D880509CC26F}"/>
-    <dgm:cxn modelId="{D3EF5F8C-82DA-452C-820C-E874DFD620C5}" srcId="{7AEEFB92-59F2-4E49-915E-ECCC46891369}" destId="{C422E3CB-8895-4D89-B945-EA989D7DEFD8}" srcOrd="0" destOrd="0" parTransId="{BE79DDB8-7134-46FF-AFC1-98863DF68BFE}" sibTransId="{19837639-2BFF-4BBE-B300-3DF9B5B7C5DF}"/>
-    <dgm:cxn modelId="{6BDD10B5-6F3D-4E80-8D33-C155D77E79F5}" srcId="{BE5393A7-12E0-4752-BD57-9E971B4B665A}" destId="{C4754DFD-951A-4BC9-A773-7BA25576974B}" srcOrd="0" destOrd="0" parTransId="{5DEBD383-AC91-4694-8079-F13450921777}" sibTransId="{F3EFE209-83A9-49F1-9E72-FF37B7F02306}"/>
     <dgm:cxn modelId="{06FC3BE7-D9AA-491D-A43D-563B43828AC0}" type="presParOf" srcId="{0D1A281D-EB57-4801-8689-5FA2C59F31B8}" destId="{B756311D-A963-4C7D-8E6A-06D2C2DC10A7}" srcOrd="0" destOrd="0" presId="urn:microsoft.com/office/officeart/2005/8/layout/process4"/>
     <dgm:cxn modelId="{BF1066FB-FFF5-47EE-ACD1-EE2ED96AAEEC}" type="presParOf" srcId="{B756311D-A963-4C7D-8E6A-06D2C2DC10A7}" destId="{1BCB92C5-4A26-4B33-8BBD-17D37737D0BE}" srcOrd="0" destOrd="0" presId="urn:microsoft.com/office/officeart/2005/8/layout/process4"/>
     <dgm:cxn modelId="{0ED09A0D-9984-4C8D-99D4-9F980745A16D}" type="presParOf" srcId="{B756311D-A963-4C7D-8E6A-06D2C2DC10A7}" destId="{901FE166-A017-4AB8-AD9C-396D0AE6DA0A}" srcOrd="1" destOrd="0" presId="urn:microsoft.com/office/officeart/2005/8/layout/process4"/>
@@ -9235,6 +9312,13 @@
         </dgm:presLayoutVars>
       </dgm:prSet>
       <dgm:spPr/>
+      <dgm:t>
+        <a:bodyPr/>
+        <a:lstStyle/>
+        <a:p>
+          <a:endParaRPr lang="en-US"/>
+        </a:p>
+      </dgm:t>
     </dgm:pt>
     <dgm:pt modelId="{85B53D23-9D6D-4B92-855B-088588111853}" type="pres">
       <dgm:prSet presAssocID="{D5BE6B70-33A7-4E9C-9479-68A619EB0900}" presName="composite" presStyleCnt="0"/>
@@ -9346,6 +9430,13 @@
     <dgm:pt modelId="{073D145E-3181-4C56-9394-2D16E820AB17}" type="pres">
       <dgm:prSet presAssocID="{33B84C8D-A2BF-4CFF-BA23-BEBCFEA39A4E}" presName="Accent1Text" presStyleLbl="node1" presStyleIdx="3" presStyleCnt="6"/>
       <dgm:spPr/>
+      <dgm:t>
+        <a:bodyPr/>
+        <a:lstStyle/>
+        <a:p>
+          <a:endParaRPr lang="en-US"/>
+        </a:p>
+      </dgm:t>
     </dgm:pt>
     <dgm:pt modelId="{C0361781-B084-4475-80DD-C4784289E9A5}" type="pres">
       <dgm:prSet presAssocID="{33B84C8D-A2BF-4CFF-BA23-BEBCFEA39A4E}" presName="spaceBetweenRectangles" presStyleCnt="0"/>
@@ -9364,6 +9455,13 @@
         </dgm:presLayoutVars>
       </dgm:prSet>
       <dgm:spPr/>
+      <dgm:t>
+        <a:bodyPr/>
+        <a:lstStyle/>
+        <a:p>
+          <a:endParaRPr lang="en-US"/>
+        </a:p>
+      </dgm:t>
     </dgm:pt>
     <dgm:pt modelId="{66D3D9E3-16B9-41BE-B8BE-D2B4AAA569D1}" type="pres">
       <dgm:prSet presAssocID="{77D654E0-84CD-4EBB-8DCE-E956FF2691AB}" presName="Childtext1" presStyleLbl="revTx" presStyleIdx="2" presStyleCnt="3">
@@ -9578,6 +9676,13 @@
         </dgm:presLayoutVars>
       </dgm:prSet>
       <dgm:spPr/>
+      <dgm:t>
+        <a:bodyPr/>
+        <a:lstStyle/>
+        <a:p>
+          <a:endParaRPr lang="en-US"/>
+        </a:p>
+      </dgm:t>
     </dgm:pt>
     <dgm:pt modelId="{432094B5-874D-42D5-B461-BDCD8568355D}" type="pres">
       <dgm:prSet presAssocID="{FD2A1585-AEEA-4F7F-8D97-224FFB191A19}" presName="parentLin" presStyleCnt="0"/>
@@ -9586,6 +9691,13 @@
     <dgm:pt modelId="{5125441A-6042-4D82-882A-E8342A64A094}" type="pres">
       <dgm:prSet presAssocID="{FD2A1585-AEEA-4F7F-8D97-224FFB191A19}" presName="parentLeftMargin" presStyleLbl="node1" presStyleIdx="0" presStyleCnt="3"/>
       <dgm:spPr/>
+      <dgm:t>
+        <a:bodyPr/>
+        <a:lstStyle/>
+        <a:p>
+          <a:endParaRPr lang="en-US"/>
+        </a:p>
+      </dgm:t>
     </dgm:pt>
     <dgm:pt modelId="{1775588A-1B55-4F52-B76F-FB1D8D883CEA}" type="pres">
       <dgm:prSet presAssocID="{FD2A1585-AEEA-4F7F-8D97-224FFB191A19}" presName="parentText" presStyleLbl="node1" presStyleIdx="0" presStyleCnt="3">
@@ -9595,6 +9707,13 @@
         </dgm:presLayoutVars>
       </dgm:prSet>
       <dgm:spPr/>
+      <dgm:t>
+        <a:bodyPr/>
+        <a:lstStyle/>
+        <a:p>
+          <a:endParaRPr lang="en-US"/>
+        </a:p>
+      </dgm:t>
     </dgm:pt>
     <dgm:pt modelId="{E1A5F019-C649-4C5D-A70F-1095252C2170}" type="pres">
       <dgm:prSet presAssocID="{FD2A1585-AEEA-4F7F-8D97-224FFB191A19}" presName="negativeSpace" presStyleCnt="0"/>
@@ -9619,6 +9738,13 @@
     <dgm:pt modelId="{975AA27B-5473-4C60-A731-1F94290222D5}" type="pres">
       <dgm:prSet presAssocID="{4AD24518-329A-4A3D-91F2-FA87642E6B05}" presName="parentLeftMargin" presStyleLbl="node1" presStyleIdx="0" presStyleCnt="3"/>
       <dgm:spPr/>
+      <dgm:t>
+        <a:bodyPr/>
+        <a:lstStyle/>
+        <a:p>
+          <a:endParaRPr lang="en-US"/>
+        </a:p>
+      </dgm:t>
     </dgm:pt>
     <dgm:pt modelId="{C6125892-47AA-4843-9FD5-210E6AE6BD54}" type="pres">
       <dgm:prSet presAssocID="{4AD24518-329A-4A3D-91F2-FA87642E6B05}" presName="parentText" presStyleLbl="node1" presStyleIdx="1" presStyleCnt="3" custScaleX="60486">
@@ -9628,6 +9754,13 @@
         </dgm:presLayoutVars>
       </dgm:prSet>
       <dgm:spPr/>
+      <dgm:t>
+        <a:bodyPr/>
+        <a:lstStyle/>
+        <a:p>
+          <a:endParaRPr lang="en-US"/>
+        </a:p>
+      </dgm:t>
     </dgm:pt>
     <dgm:pt modelId="{A9800870-ADFB-4B22-B02D-75D55DBD123D}" type="pres">
       <dgm:prSet presAssocID="{4AD24518-329A-4A3D-91F2-FA87642E6B05}" presName="negativeSpace" presStyleCnt="0"/>
@@ -9652,6 +9785,13 @@
     <dgm:pt modelId="{A3C048E8-28AC-468E-BA4F-9AEFEA922215}" type="pres">
       <dgm:prSet presAssocID="{52C3CA22-9CD8-448B-9926-79451B711F2E}" presName="parentLeftMargin" presStyleLbl="node1" presStyleIdx="1" presStyleCnt="3"/>
       <dgm:spPr/>
+      <dgm:t>
+        <a:bodyPr/>
+        <a:lstStyle/>
+        <a:p>
+          <a:endParaRPr lang="en-US"/>
+        </a:p>
+      </dgm:t>
     </dgm:pt>
     <dgm:pt modelId="{E36A12D8-8E04-48BF-907B-2C4740C2EF92}" type="pres">
       <dgm:prSet presAssocID="{52C3CA22-9CD8-448B-9926-79451B711F2E}" presName="parentText" presStyleLbl="node1" presStyleIdx="2" presStyleCnt="3" custScaleX="125798">
@@ -9689,8 +9829,8 @@
     <dgm:cxn modelId="{05C63FDB-E323-412F-A86D-8B748618CC7A}" type="presOf" srcId="{FD2A1585-AEEA-4F7F-8D97-224FFB191A19}" destId="{5125441A-6042-4D82-882A-E8342A64A094}" srcOrd="0" destOrd="0" presId="urn:microsoft.com/office/officeart/2005/8/layout/list1"/>
     <dgm:cxn modelId="{84FF0A2A-573A-4021-BB90-B1898DC87FA7}" srcId="{FBA2182A-608C-4A4E-BB04-F792DFED6319}" destId="{4AD24518-329A-4A3D-91F2-FA87642E6B05}" srcOrd="1" destOrd="0" parTransId="{9B0B7C66-37C8-44BC-9C6F-AA29F60D77A1}" sibTransId="{8D7D6056-C658-412A-8CF1-6D4BDB4014CE}"/>
     <dgm:cxn modelId="{1A8F98E8-37C2-4403-A2C4-238FABC03B37}" type="presOf" srcId="{4AD24518-329A-4A3D-91F2-FA87642E6B05}" destId="{C6125892-47AA-4843-9FD5-210E6AE6BD54}" srcOrd="1" destOrd="0" presId="urn:microsoft.com/office/officeart/2005/8/layout/list1"/>
+    <dgm:cxn modelId="{6D983BCC-941C-467A-AE7D-489816F9BDB0}" type="presOf" srcId="{FBA2182A-608C-4A4E-BB04-F792DFED6319}" destId="{432614AC-AC20-4820-92F6-76858773FB8C}" srcOrd="0" destOrd="0" presId="urn:microsoft.com/office/officeart/2005/8/layout/list1"/>
     <dgm:cxn modelId="{5FC27D0D-50C9-4A38-B4FA-2513600DE590}" type="presOf" srcId="{52C3CA22-9CD8-448B-9926-79451B711F2E}" destId="{A3C048E8-28AC-468E-BA4F-9AEFEA922215}" srcOrd="0" destOrd="0" presId="urn:microsoft.com/office/officeart/2005/8/layout/list1"/>
-    <dgm:cxn modelId="{6D983BCC-941C-467A-AE7D-489816F9BDB0}" type="presOf" srcId="{FBA2182A-608C-4A4E-BB04-F792DFED6319}" destId="{432614AC-AC20-4820-92F6-76858773FB8C}" srcOrd="0" destOrd="0" presId="urn:microsoft.com/office/officeart/2005/8/layout/list1"/>
     <dgm:cxn modelId="{C659BC8A-3D5D-45B3-A773-A4648CB0B89A}" srcId="{FBA2182A-608C-4A4E-BB04-F792DFED6319}" destId="{52C3CA22-9CD8-448B-9926-79451B711F2E}" srcOrd="2" destOrd="0" parTransId="{1E0F58C5-E761-43BC-8901-04A91448E509}" sibTransId="{325E31CC-5AA8-454F-8708-37B0EC9E04AD}"/>
     <dgm:cxn modelId="{8C6CFFFB-337D-4385-B4E4-1E7A8F7B0221}" type="presOf" srcId="{FD2A1585-AEEA-4F7F-8D97-224FFB191A19}" destId="{1775588A-1B55-4F52-B76F-FB1D8D883CEA}" srcOrd="1" destOrd="0" presId="urn:microsoft.com/office/officeart/2005/8/layout/list1"/>
     <dgm:cxn modelId="{2F1BBFC9-6EE4-427C-AEB8-D16742FDC15C}" type="presParOf" srcId="{432614AC-AC20-4820-92F6-76858773FB8C}" destId="{432094B5-874D-42D5-B461-BDCD8568355D}" srcOrd="0" destOrd="0" presId="urn:microsoft.com/office/officeart/2005/8/layout/list1"/>
@@ -16104,8 +16244,8 @@
       </dsp:nvSpPr>
       <dsp:spPr>
         <a:xfrm>
-          <a:off x="0" y="4078917"/>
-          <a:ext cx="9991388" cy="1338791"/>
+          <a:off x="0" y="3987133"/>
+          <a:ext cx="10040194" cy="1308666"/>
         </a:xfrm>
         <a:prstGeom prst="rect">
           <a:avLst/>
@@ -16170,8 +16310,8 @@
         </a:p>
       </dsp:txBody>
       <dsp:txXfrm>
-        <a:off x="0" y="4078917"/>
-        <a:ext cx="9991388" cy="722947"/>
+        <a:off x="0" y="3987133"/>
+        <a:ext cx="10040194" cy="706679"/>
       </dsp:txXfrm>
     </dsp:sp>
     <dsp:sp modelId="{62957BCF-A401-4207-A912-4351E9F12E72}">
@@ -16181,8 +16321,8 @@
       </dsp:nvSpPr>
       <dsp:spPr>
         <a:xfrm>
-          <a:off x="0" y="4775089"/>
-          <a:ext cx="4995693" cy="615844"/>
+          <a:off x="0" y="4667639"/>
+          <a:ext cx="5020097" cy="601986"/>
         </a:xfrm>
         <a:prstGeom prst="rect">
           <a:avLst/>
@@ -16225,12 +16365,12 @@
         <a:fontRef idx="minor"/>
       </dsp:style>
       <dsp:txBody>
-        <a:bodyPr spcFirstLastPara="0" vert="horz" wrap="square" lIns="199136" tIns="35560" rIns="199136" bIns="35560" numCol="1" spcCol="1270" anchor="ctr" anchorCtr="0">
+        <a:bodyPr spcFirstLastPara="0" vert="horz" wrap="square" lIns="206248" tIns="36830" rIns="206248" bIns="36830" numCol="1" spcCol="1270" anchor="ctr" anchorCtr="0">
           <a:noAutofit/>
         </a:bodyPr>
         <a:lstStyle/>
         <a:p>
-          <a:pPr lvl="0" algn="ctr" defTabSz="1244600">
+          <a:pPr lvl="0" algn="ctr" defTabSz="1289050">
             <a:lnSpc>
               <a:spcPct val="90000"/>
             </a:lnSpc>
@@ -16242,15 +16382,15 @@
             </a:spcAft>
           </a:pPr>
           <a:r>
-            <a:rPr lang="en-US" sz="2800" kern="1200" dirty="0" smtClean="0"/>
+            <a:rPr lang="en-US" sz="2900" kern="1200" dirty="0" smtClean="0"/>
             <a:t>-Scaling</a:t>
           </a:r>
-          <a:endParaRPr lang="en-US" sz="2800" kern="1200" dirty="0"/>
+          <a:endParaRPr lang="en-US" sz="2900" kern="1200" dirty="0"/>
         </a:p>
       </dsp:txBody>
       <dsp:txXfrm>
-        <a:off x="0" y="4775089"/>
-        <a:ext cx="4995693" cy="615844"/>
+        <a:off x="0" y="4667639"/>
+        <a:ext cx="5020097" cy="601986"/>
       </dsp:txXfrm>
     </dsp:sp>
     <dsp:sp modelId="{615A2E70-18B6-420B-8794-507F0961368B}">
@@ -16260,8 +16400,8 @@
       </dsp:nvSpPr>
       <dsp:spPr>
         <a:xfrm>
-          <a:off x="4995694" y="4775089"/>
-          <a:ext cx="4995693" cy="615844"/>
+          <a:off x="5020097" y="4667639"/>
+          <a:ext cx="5020097" cy="601986"/>
         </a:xfrm>
         <a:prstGeom prst="rect">
           <a:avLst/>
@@ -16304,12 +16444,12 @@
         <a:fontRef idx="minor"/>
       </dsp:style>
       <dsp:txBody>
-        <a:bodyPr spcFirstLastPara="0" vert="horz" wrap="square" lIns="199136" tIns="35560" rIns="199136" bIns="35560" numCol="1" spcCol="1270" anchor="ctr" anchorCtr="0">
+        <a:bodyPr spcFirstLastPara="0" vert="horz" wrap="square" lIns="206248" tIns="36830" rIns="206248" bIns="36830" numCol="1" spcCol="1270" anchor="ctr" anchorCtr="0">
           <a:noAutofit/>
         </a:bodyPr>
         <a:lstStyle/>
         <a:p>
-          <a:pPr lvl="0" algn="ctr" defTabSz="1244600">
+          <a:pPr lvl="0" algn="ctr" defTabSz="1289050">
             <a:lnSpc>
               <a:spcPct val="90000"/>
             </a:lnSpc>
@@ -16321,15 +16461,15 @@
             </a:spcAft>
           </a:pPr>
           <a:r>
-            <a:rPr lang="en-US" sz="2800" kern="1200" dirty="0" smtClean="0"/>
+            <a:rPr lang="en-US" sz="2900" kern="1200" dirty="0" smtClean="0"/>
             <a:t>-Transformation</a:t>
           </a:r>
-          <a:endParaRPr lang="en-US" sz="2800" kern="1200" dirty="0"/>
+          <a:endParaRPr lang="en-US" sz="2900" kern="1200" dirty="0"/>
         </a:p>
       </dsp:txBody>
       <dsp:txXfrm>
-        <a:off x="4995694" y="4775089"/>
-        <a:ext cx="4995693" cy="615844"/>
+        <a:off x="5020097" y="4667639"/>
+        <a:ext cx="5020097" cy="601986"/>
       </dsp:txXfrm>
     </dsp:sp>
     <dsp:sp modelId="{97F7613B-5135-40BA-92BB-324C0C653845}">
@@ -16339,8 +16479,8 @@
       </dsp:nvSpPr>
       <dsp:spPr>
         <a:xfrm rot="10800000">
-          <a:off x="0" y="2039937"/>
-          <a:ext cx="9991388" cy="2059061"/>
+          <a:off x="0" y="1994034"/>
+          <a:ext cx="10040194" cy="2012728"/>
         </a:xfrm>
         <a:prstGeom prst="upArrowCallout">
           <a:avLst/>
@@ -16405,8 +16545,8 @@
         </a:p>
       </dsp:txBody>
       <dsp:txXfrm rot="-10800000">
-        <a:off x="0" y="2039937"/>
-        <a:ext cx="9991388" cy="722730"/>
+        <a:off x="0" y="1994034"/>
+        <a:ext cx="10040194" cy="706467"/>
       </dsp:txXfrm>
     </dsp:sp>
     <dsp:sp modelId="{9E073581-B45A-42C5-95B1-7DA5A130A3C4}">
@@ -16416,8 +16556,8 @@
       </dsp:nvSpPr>
       <dsp:spPr>
         <a:xfrm>
-          <a:off x="837" y="2762668"/>
-          <a:ext cx="4213611" cy="615659"/>
+          <a:off x="842" y="2700502"/>
+          <a:ext cx="4234193" cy="601805"/>
         </a:xfrm>
         <a:prstGeom prst="rect">
           <a:avLst/>
@@ -16460,12 +16600,12 @@
         <a:fontRef idx="minor"/>
       </dsp:style>
       <dsp:txBody>
-        <a:bodyPr spcFirstLastPara="0" vert="horz" wrap="square" lIns="199136" tIns="35560" rIns="199136" bIns="35560" numCol="1" spcCol="1270" anchor="ctr" anchorCtr="0">
+        <a:bodyPr spcFirstLastPara="0" vert="horz" wrap="square" lIns="206248" tIns="36830" rIns="206248" bIns="36830" numCol="1" spcCol="1270" anchor="ctr" anchorCtr="0">
           <a:noAutofit/>
         </a:bodyPr>
         <a:lstStyle/>
         <a:p>
-          <a:pPr lvl="0" algn="ctr" defTabSz="1244600">
+          <a:pPr lvl="0" algn="ctr" defTabSz="1289050">
             <a:lnSpc>
               <a:spcPct val="90000"/>
             </a:lnSpc>
@@ -16477,15 +16617,15 @@
             </a:spcAft>
           </a:pPr>
           <a:r>
-            <a:rPr lang="en-US" sz="2800" kern="1200" dirty="0" smtClean="0"/>
+            <a:rPr lang="en-US" sz="2900" kern="1200" dirty="0" smtClean="0"/>
             <a:t>- Missing values</a:t>
           </a:r>
-          <a:endParaRPr lang="en-US" sz="2800" kern="1200" dirty="0"/>
+          <a:endParaRPr lang="en-US" sz="2900" kern="1200" dirty="0"/>
         </a:p>
       </dsp:txBody>
       <dsp:txXfrm>
-        <a:off x="837" y="2762668"/>
-        <a:ext cx="4213611" cy="615659"/>
+        <a:off x="842" y="2700502"/>
+        <a:ext cx="4234193" cy="601805"/>
       </dsp:txXfrm>
     </dsp:sp>
     <dsp:sp modelId="{E9FD47A5-2BAD-41E2-BD7E-61EED834696F}">
@@ -16495,8 +16635,8 @@
       </dsp:nvSpPr>
       <dsp:spPr>
         <a:xfrm>
-          <a:off x="4214449" y="2762668"/>
-          <a:ext cx="5776101" cy="615659"/>
+          <a:off x="4235035" y="2700502"/>
+          <a:ext cx="5804316" cy="601805"/>
         </a:xfrm>
         <a:prstGeom prst="rect">
           <a:avLst/>
@@ -16539,12 +16679,12 @@
         <a:fontRef idx="minor"/>
       </dsp:style>
       <dsp:txBody>
-        <a:bodyPr spcFirstLastPara="0" vert="horz" wrap="square" lIns="199136" tIns="35560" rIns="199136" bIns="35560" numCol="1" spcCol="1270" anchor="ctr" anchorCtr="0">
+        <a:bodyPr spcFirstLastPara="0" vert="horz" wrap="square" lIns="206248" tIns="36830" rIns="206248" bIns="36830" numCol="1" spcCol="1270" anchor="ctr" anchorCtr="0">
           <a:noAutofit/>
         </a:bodyPr>
         <a:lstStyle/>
         <a:p>
-          <a:pPr lvl="0" algn="ctr" defTabSz="1244600">
+          <a:pPr lvl="0" algn="ctr" defTabSz="1289050">
             <a:lnSpc>
               <a:spcPct val="90000"/>
             </a:lnSpc>
@@ -16556,15 +16696,15 @@
             </a:spcAft>
           </a:pPr>
           <a:r>
-            <a:rPr lang="en-US" sz="2800" kern="1200" dirty="0" smtClean="0"/>
+            <a:rPr lang="en-US" sz="2900" kern="1200" dirty="0" smtClean="0"/>
             <a:t>- Inconsistencies</a:t>
           </a:r>
-          <a:endParaRPr lang="en-US" sz="2800" kern="1200" dirty="0"/>
+          <a:endParaRPr lang="en-US" sz="2900" kern="1200" dirty="0"/>
         </a:p>
       </dsp:txBody>
       <dsp:txXfrm>
-        <a:off x="4214449" y="2762668"/>
-        <a:ext cx="5776101" cy="615659"/>
+        <a:off x="4235035" y="2700502"/>
+        <a:ext cx="5804316" cy="601805"/>
       </dsp:txXfrm>
     </dsp:sp>
     <dsp:sp modelId="{0E087DF0-510F-4247-A374-781CA3FF663E}">
@@ -16574,8 +16714,8 @@
       </dsp:nvSpPr>
       <dsp:spPr>
         <a:xfrm rot="10800000">
-          <a:off x="0" y="957"/>
-          <a:ext cx="9991388" cy="2059061"/>
+          <a:off x="0" y="936"/>
+          <a:ext cx="10040194" cy="2012728"/>
         </a:xfrm>
         <a:prstGeom prst="upArrowCallout">
           <a:avLst/>
@@ -16640,8 +16780,8 @@
         </a:p>
       </dsp:txBody>
       <dsp:txXfrm rot="-10800000">
-        <a:off x="0" y="957"/>
-        <a:ext cx="9991388" cy="722730"/>
+        <a:off x="0" y="936"/>
+        <a:ext cx="10040194" cy="706467"/>
       </dsp:txXfrm>
     </dsp:sp>
     <dsp:sp modelId="{38FAF438-3500-4879-9575-FB9102E7392D}">
@@ -16651,8 +16791,8 @@
       </dsp:nvSpPr>
       <dsp:spPr>
         <a:xfrm>
-          <a:off x="1219" y="723688"/>
-          <a:ext cx="9988948" cy="615659"/>
+          <a:off x="1225" y="707403"/>
+          <a:ext cx="10037742" cy="601805"/>
         </a:xfrm>
         <a:prstGeom prst="rect">
           <a:avLst/>
@@ -16695,12 +16835,12 @@
         <a:fontRef idx="minor"/>
       </dsp:style>
       <dsp:txBody>
-        <a:bodyPr spcFirstLastPara="0" vert="horz" wrap="square" lIns="199136" tIns="35560" rIns="199136" bIns="35560" numCol="1" spcCol="1270" anchor="ctr" anchorCtr="0">
+        <a:bodyPr spcFirstLastPara="0" vert="horz" wrap="square" lIns="206248" tIns="36830" rIns="206248" bIns="36830" numCol="1" spcCol="1270" anchor="ctr" anchorCtr="0">
           <a:noAutofit/>
         </a:bodyPr>
         <a:lstStyle/>
         <a:p>
-          <a:pPr lvl="0" algn="ctr" defTabSz="1244600">
+          <a:pPr lvl="0" algn="ctr" defTabSz="1289050">
             <a:lnSpc>
               <a:spcPct val="90000"/>
             </a:lnSpc>
@@ -16712,15 +16852,15 @@
             </a:spcAft>
           </a:pPr>
           <a:r>
-            <a:rPr lang="en-US" sz="2800" kern="1200" dirty="0" smtClean="0"/>
+            <a:rPr lang="en-US" sz="2900" kern="1200" dirty="0" smtClean="0"/>
             <a:t>Databases, APIs, Web Scraping, Open Data Repositories, Surveys</a:t>
           </a:r>
-          <a:endParaRPr lang="en-US" sz="2800" kern="1200" dirty="0"/>
+          <a:endParaRPr lang="en-US" sz="2900" kern="1200" dirty="0"/>
         </a:p>
       </dsp:txBody>
       <dsp:txXfrm>
-        <a:off x="1219" y="723688"/>
-        <a:ext cx="9988948" cy="615659"/>
+        <a:off x="1225" y="707403"/>
+        <a:ext cx="10037742" cy="601805"/>
       </dsp:txXfrm>
     </dsp:sp>
   </dsp:spTree>
@@ -34955,9 +35095,6 @@
               </a:rPr>
               <a:t>MODELLING</a:t>
             </a:r>
-            <a:endParaRPr lang="en-US" sz="3200" b="1" u="sng" dirty="0" smtClean="0">
-              <a:latin typeface="Arial Black" panose="020B0A04020102020204" pitchFamily="34" charset="0"/>
-            </a:endParaRPr>
           </a:p>
         </p:txBody>
       </p:sp>
@@ -35419,7 +35556,6 @@
               <a:rPr lang="en-US" sz="4400" b="1" u="sng" dirty="0" smtClean="0"/>
               <a:t>Model Validation and Tuning</a:t>
             </a:r>
-            <a:endParaRPr lang="en-US" sz="4400" b="1" u="sng" dirty="0" smtClean="0"/>
           </a:p>
         </p:txBody>
       </p:sp>
@@ -35838,6 +35974,36 @@
           </a:p>
         </p:txBody>
       </p:sp>
+      <p:sp>
+        <p:nvSpPr>
+          <p:cNvPr id="4" name="TextBox 3"/>
+          <p:cNvSpPr txBox="1"/>
+          <p:nvPr/>
+        </p:nvSpPr>
+        <p:spPr>
+          <a:xfrm>
+            <a:off x="9501905" y="6420255"/>
+            <a:ext cx="2690095" cy="369332"/>
+          </a:xfrm>
+          <a:prstGeom prst="rect">
+            <a:avLst/>
+          </a:prstGeom>
+          <a:noFill/>
+        </p:spPr>
+        <p:txBody>
+          <a:bodyPr wrap="none" rtlCol="0">
+            <a:spAutoFit/>
+          </a:bodyPr>
+          <a:lstStyle/>
+          <a:p>
+            <a:r>
+              <a:rPr lang="en-US" dirty="0" smtClean="0"/>
+              <a:t>Benson Nyota/Datumlytics</a:t>
+            </a:r>
+            <a:endParaRPr lang="en-US" dirty="0"/>
+          </a:p>
+        </p:txBody>
+      </p:sp>
     </p:spTree>
     <p:extLst>
       <p:ext uri="{BB962C8B-B14F-4D97-AF65-F5344CB8AC3E}">
@@ -35905,7 +36071,6 @@
               <a:rPr lang="en-US" sz="2400" dirty="0"/>
               <a:t>a model captures noise in the training data and performs poorly on unseen data</a:t>
             </a:r>
-            <a:endParaRPr lang="en-US" sz="2400" dirty="0"/>
           </a:p>
         </p:txBody>
       </p:sp>
@@ -36015,6 +36180,36 @@
           </a:p>
         </p:txBody>
       </p:sp>
+      <p:sp>
+        <p:nvSpPr>
+          <p:cNvPr id="6" name="TextBox 5"/>
+          <p:cNvSpPr txBox="1"/>
+          <p:nvPr/>
+        </p:nvSpPr>
+        <p:spPr>
+          <a:xfrm>
+            <a:off x="9501905" y="6420255"/>
+            <a:ext cx="2690095" cy="369332"/>
+          </a:xfrm>
+          <a:prstGeom prst="rect">
+            <a:avLst/>
+          </a:prstGeom>
+          <a:noFill/>
+        </p:spPr>
+        <p:txBody>
+          <a:bodyPr wrap="none" rtlCol="0">
+            <a:spAutoFit/>
+          </a:bodyPr>
+          <a:lstStyle/>
+          <a:p>
+            <a:r>
+              <a:rPr lang="en-US" dirty="0" smtClean="0"/>
+              <a:t>Benson Nyota/Datumlytics</a:t>
+            </a:r>
+            <a:endParaRPr lang="en-US" dirty="0"/>
+          </a:p>
+        </p:txBody>
+      </p:sp>
     </p:spTree>
     <p:extLst>
       <p:ext uri="{BB962C8B-B14F-4D97-AF65-F5344CB8AC3E}">
@@ -36074,6 +36269,36 @@
           </a:graphicData>
         </a:graphic>
       </p:graphicFrame>
+      <p:sp>
+        <p:nvSpPr>
+          <p:cNvPr id="3" name="TextBox 2"/>
+          <p:cNvSpPr txBox="1"/>
+          <p:nvPr/>
+        </p:nvSpPr>
+        <p:spPr>
+          <a:xfrm>
+            <a:off x="9501905" y="6420255"/>
+            <a:ext cx="2690095" cy="369332"/>
+          </a:xfrm>
+          <a:prstGeom prst="rect">
+            <a:avLst/>
+          </a:prstGeom>
+          <a:noFill/>
+        </p:spPr>
+        <p:txBody>
+          <a:bodyPr wrap="none" rtlCol="0">
+            <a:spAutoFit/>
+          </a:bodyPr>
+          <a:lstStyle/>
+          <a:p>
+            <a:r>
+              <a:rPr lang="en-US" dirty="0" smtClean="0"/>
+              <a:t>Benson Nyota/Datumlytics</a:t>
+            </a:r>
+            <a:endParaRPr lang="en-US" dirty="0"/>
+          </a:p>
+        </p:txBody>
+      </p:sp>
     </p:spTree>
     <p:extLst>
       <p:ext uri="{BB962C8B-B14F-4D97-AF65-F5344CB8AC3E}">
@@ -37194,7 +37419,6 @@
               <a:rPr lang="en-US" sz="2400" b="1" dirty="0" smtClean="0"/>
               <a:t>PROBLEM DEFINITION</a:t>
             </a:r>
-            <a:endParaRPr lang="en-US" sz="2400" b="1" dirty="0" smtClean="0"/>
           </a:p>
         </p:txBody>
       </p:sp>
@@ -37205,13 +37429,13 @@
           <p:nvPr>
             <p:extLst>
               <p:ext uri="{D42A27DB-BD31-4B8C-83A1-F6EECF244321}">
-                <p14:modId xmlns:p14="http://schemas.microsoft.com/office/powerpoint/2010/main" val="2467280625"/>
+                <p14:modId xmlns:p14="http://schemas.microsoft.com/office/powerpoint/2010/main" val="4146364619"/>
               </p:ext>
             </p:extLst>
           </p:nvPr>
         </p:nvGraphicFramePr>
         <p:xfrm>
-          <a:off x="-837324" y="1392036"/>
+          <a:off x="-837324" y="1001588"/>
           <a:ext cx="8128000" cy="5418667"/>
         </p:xfrm>
         <a:graphic>
@@ -37370,7 +37594,7 @@
         </p:nvSpPr>
         <p:spPr>
           <a:xfrm>
-            <a:off x="293788" y="1031888"/>
+            <a:off x="396264" y="637750"/>
             <a:ext cx="5542469" cy="5478423"/>
           </a:xfrm>
           <a:prstGeom prst="rect">
@@ -37477,7 +37701,7 @@
         </p:nvSpPr>
         <p:spPr>
           <a:xfrm>
-            <a:off x="6265627" y="1178081"/>
+            <a:off x="6297158" y="783943"/>
             <a:ext cx="5351229" cy="5186035"/>
           </a:xfrm>
           <a:prstGeom prst="rect">
@@ -37672,7 +37896,6 @@
               <a:rPr lang="en-US" sz="3200" b="1" u="sng" dirty="0" smtClean="0"/>
               <a:t>DATA COLLECTION AND PREPARATION</a:t>
             </a:r>
-            <a:endParaRPr lang="en-US" sz="3200" b="1" u="sng" dirty="0" smtClean="0"/>
           </a:p>
         </p:txBody>
       </p:sp>
@@ -37683,14 +37906,14 @@
           <p:nvPr>
             <p:extLst>
               <p:ext uri="{D42A27DB-BD31-4B8C-83A1-F6EECF244321}">
-                <p14:modId xmlns:p14="http://schemas.microsoft.com/office/powerpoint/2010/main" val="3364402743"/>
+                <p14:modId xmlns:p14="http://schemas.microsoft.com/office/powerpoint/2010/main" val="3320092655"/>
               </p:ext>
             </p:extLst>
           </p:nvPr>
         </p:nvGraphicFramePr>
         <p:xfrm>
-          <a:off x="1098144" y="1001588"/>
-          <a:ext cx="9991388" cy="5418667"/>
+          <a:off x="1098144" y="1001589"/>
+          <a:ext cx="10040194" cy="5296736"/>
         </p:xfrm>
         <a:graphic>
           <a:graphicData uri="http://schemas.openxmlformats.org/drawingml/2006/diagram">
@@ -37954,7 +38177,6 @@
               <a:rPr lang="en-US" sz="6000" b="1" dirty="0" smtClean="0"/>
               <a:t>Data Splitting</a:t>
             </a:r>
-            <a:endParaRPr lang="en-US" sz="6000" b="1" dirty="0" smtClean="0"/>
           </a:p>
         </p:txBody>
       </p:sp>
